--- a/課題研究/2015/浜野太豪/ポスター1342097浜野太豪.pptx
+++ b/課題研究/2015/浜野太豪/ポスター1342097浜野太豪.pptx
@@ -3782,30 +3782,6 @@
           <a:chExt cx="0" cy="0"/>
         </a:xfrm>
       </p:grpSpPr>
-      <p:pic>
-        <p:nvPicPr>
-          <p:cNvPr id="14" name="図 13"/>
-          <p:cNvPicPr>
-            <a:picLocks noChangeAspect="1"/>
-          </p:cNvPicPr>
-          <p:nvPr/>
-        </p:nvPicPr>
-        <p:blipFill>
-          <a:blip r:embed="rId3"/>
-          <a:stretch>
-            <a:fillRect/>
-          </a:stretch>
-        </p:blipFill>
-        <p:spPr>
-          <a:xfrm>
-            <a:off x="456719" y="4614001"/>
-            <a:ext cx="20889306" cy="7295610"/>
-          </a:xfrm>
-          <a:prstGeom prst="rect">
-            <a:avLst/>
-          </a:prstGeom>
-        </p:spPr>
-      </p:pic>
       <p:sp>
         <p:nvSpPr>
           <p:cNvPr id="2" name="正方形/長方形 1"/>
@@ -5563,7 +5539,7 @@
           <p:nvPr/>
         </p:nvPicPr>
         <p:blipFill>
-          <a:blip r:embed="rId4">
+          <a:blip r:embed="rId3">
             <a:extLst>
               <a:ext uri="{28A0092B-C50C-407E-A947-70E740481C1C}">
                 <a14:useLocalDpi xmlns:a14="http://schemas.microsoft.com/office/drawing/2010/main" val="0"/>
@@ -5584,6 +5560,866 @@
           </a:prstGeom>
         </p:spPr>
       </p:pic>
+      <p:cxnSp>
+        <p:nvCxnSpPr>
+          <p:cNvPr id="16" name="直線矢印コネクタ 15"/>
+          <p:cNvCxnSpPr/>
+          <p:nvPr/>
+        </p:nvCxnSpPr>
+        <p:spPr>
+          <a:xfrm flipV="1">
+            <a:off x="541823" y="7960518"/>
+            <a:ext cx="19287045" cy="56514"/>
+          </a:xfrm>
+          <a:prstGeom prst="straightConnector1">
+            <a:avLst/>
+          </a:prstGeom>
+          <a:ln w="200025">
+            <a:solidFill>
+              <a:srgbClr val="A1D35B"/>
+            </a:solidFill>
+            <a:tailEnd type="triangle"/>
+          </a:ln>
+        </p:spPr>
+        <p:style>
+          <a:lnRef idx="1">
+            <a:schemeClr val="accent1"/>
+          </a:lnRef>
+          <a:fillRef idx="0">
+            <a:schemeClr val="accent1"/>
+          </a:fillRef>
+          <a:effectRef idx="0">
+            <a:schemeClr val="accent1"/>
+          </a:effectRef>
+          <a:fontRef idx="minor">
+            <a:schemeClr val="tx1"/>
+          </a:fontRef>
+        </p:style>
+      </p:cxnSp>
+      <p:cxnSp>
+        <p:nvCxnSpPr>
+          <p:cNvPr id="20" name="直線コネクタ 19"/>
+          <p:cNvCxnSpPr/>
+          <p:nvPr/>
+        </p:nvCxnSpPr>
+        <p:spPr>
+          <a:xfrm flipH="1">
+            <a:off x="5557486" y="7928871"/>
+            <a:ext cx="2668" cy="1445997"/>
+          </a:xfrm>
+          <a:prstGeom prst="line">
+            <a:avLst/>
+          </a:prstGeom>
+          <a:ln>
+            <a:solidFill>
+              <a:schemeClr val="accent5">
+                <a:lumMod val="75000"/>
+              </a:schemeClr>
+            </a:solidFill>
+          </a:ln>
+        </p:spPr>
+        <p:style>
+          <a:lnRef idx="1">
+            <a:schemeClr val="accent1"/>
+          </a:lnRef>
+          <a:fillRef idx="0">
+            <a:schemeClr val="accent1"/>
+          </a:fillRef>
+          <a:effectRef idx="0">
+            <a:schemeClr val="accent1"/>
+          </a:effectRef>
+          <a:fontRef idx="minor">
+            <a:schemeClr val="tx1"/>
+          </a:fontRef>
+        </p:style>
+      </p:cxnSp>
+      <p:cxnSp>
+        <p:nvCxnSpPr>
+          <p:cNvPr id="77" name="直線コネクタ 76"/>
+          <p:cNvCxnSpPr/>
+          <p:nvPr/>
+        </p:nvCxnSpPr>
+        <p:spPr>
+          <a:xfrm flipH="1">
+            <a:off x="1188344" y="6614038"/>
+            <a:ext cx="2668" cy="1445997"/>
+          </a:xfrm>
+          <a:prstGeom prst="line">
+            <a:avLst/>
+          </a:prstGeom>
+          <a:ln>
+            <a:solidFill>
+              <a:schemeClr val="accent5">
+                <a:lumMod val="75000"/>
+              </a:schemeClr>
+            </a:solidFill>
+          </a:ln>
+        </p:spPr>
+        <p:style>
+          <a:lnRef idx="1">
+            <a:schemeClr val="accent1"/>
+          </a:lnRef>
+          <a:fillRef idx="0">
+            <a:schemeClr val="accent1"/>
+          </a:fillRef>
+          <a:effectRef idx="0">
+            <a:schemeClr val="accent1"/>
+          </a:effectRef>
+          <a:fontRef idx="minor">
+            <a:schemeClr val="tx1"/>
+          </a:fontRef>
+        </p:style>
+      </p:cxnSp>
+      <p:cxnSp>
+        <p:nvCxnSpPr>
+          <p:cNvPr id="78" name="直線コネクタ 77"/>
+          <p:cNvCxnSpPr/>
+          <p:nvPr/>
+        </p:nvCxnSpPr>
+        <p:spPr>
+          <a:xfrm flipH="1">
+            <a:off x="1989085" y="8041039"/>
+            <a:ext cx="2668" cy="1445997"/>
+          </a:xfrm>
+          <a:prstGeom prst="line">
+            <a:avLst/>
+          </a:prstGeom>
+          <a:ln>
+            <a:solidFill>
+              <a:schemeClr val="accent5">
+                <a:lumMod val="75000"/>
+              </a:schemeClr>
+            </a:solidFill>
+          </a:ln>
+        </p:spPr>
+        <p:style>
+          <a:lnRef idx="1">
+            <a:schemeClr val="accent1"/>
+          </a:lnRef>
+          <a:fillRef idx="0">
+            <a:schemeClr val="accent1"/>
+          </a:fillRef>
+          <a:effectRef idx="0">
+            <a:schemeClr val="accent1"/>
+          </a:effectRef>
+          <a:fontRef idx="minor">
+            <a:schemeClr val="tx1"/>
+          </a:fontRef>
+        </p:style>
+      </p:cxnSp>
+      <p:cxnSp>
+        <p:nvCxnSpPr>
+          <p:cNvPr id="79" name="直線コネクタ 78"/>
+          <p:cNvCxnSpPr/>
+          <p:nvPr/>
+        </p:nvCxnSpPr>
+        <p:spPr>
+          <a:xfrm flipH="1">
+            <a:off x="10025821" y="6745984"/>
+            <a:ext cx="2668" cy="1445997"/>
+          </a:xfrm>
+          <a:prstGeom prst="line">
+            <a:avLst/>
+          </a:prstGeom>
+          <a:ln>
+            <a:solidFill>
+              <a:schemeClr val="accent5">
+                <a:lumMod val="75000"/>
+              </a:schemeClr>
+            </a:solidFill>
+          </a:ln>
+        </p:spPr>
+        <p:style>
+          <a:lnRef idx="1">
+            <a:schemeClr val="accent1"/>
+          </a:lnRef>
+          <a:fillRef idx="0">
+            <a:schemeClr val="accent1"/>
+          </a:fillRef>
+          <a:effectRef idx="0">
+            <a:schemeClr val="accent1"/>
+          </a:effectRef>
+          <a:fontRef idx="minor">
+            <a:schemeClr val="tx1"/>
+          </a:fontRef>
+        </p:style>
+      </p:cxnSp>
+      <p:cxnSp>
+        <p:nvCxnSpPr>
+          <p:cNvPr id="80" name="直線コネクタ 79"/>
+          <p:cNvCxnSpPr/>
+          <p:nvPr/>
+        </p:nvCxnSpPr>
+        <p:spPr>
+          <a:xfrm flipH="1">
+            <a:off x="4654266" y="6475946"/>
+            <a:ext cx="2668" cy="1445997"/>
+          </a:xfrm>
+          <a:prstGeom prst="line">
+            <a:avLst/>
+          </a:prstGeom>
+          <a:ln>
+            <a:solidFill>
+              <a:schemeClr val="accent5">
+                <a:lumMod val="75000"/>
+              </a:schemeClr>
+            </a:solidFill>
+          </a:ln>
+        </p:spPr>
+        <p:style>
+          <a:lnRef idx="1">
+            <a:schemeClr val="accent1"/>
+          </a:lnRef>
+          <a:fillRef idx="0">
+            <a:schemeClr val="accent1"/>
+          </a:fillRef>
+          <a:effectRef idx="0">
+            <a:schemeClr val="accent1"/>
+          </a:effectRef>
+          <a:fontRef idx="minor">
+            <a:schemeClr val="tx1"/>
+          </a:fontRef>
+        </p:style>
+      </p:cxnSp>
+      <p:cxnSp>
+        <p:nvCxnSpPr>
+          <p:cNvPr id="81" name="直線コネクタ 80"/>
+          <p:cNvCxnSpPr/>
+          <p:nvPr/>
+        </p:nvCxnSpPr>
+        <p:spPr>
+          <a:xfrm flipH="1">
+            <a:off x="14293800" y="6505858"/>
+            <a:ext cx="2668" cy="1445997"/>
+          </a:xfrm>
+          <a:prstGeom prst="line">
+            <a:avLst/>
+          </a:prstGeom>
+          <a:ln>
+            <a:solidFill>
+              <a:schemeClr val="accent5">
+                <a:lumMod val="75000"/>
+              </a:schemeClr>
+            </a:solidFill>
+          </a:ln>
+        </p:spPr>
+        <p:style>
+          <a:lnRef idx="1">
+            <a:schemeClr val="accent1"/>
+          </a:lnRef>
+          <a:fillRef idx="0">
+            <a:schemeClr val="accent1"/>
+          </a:fillRef>
+          <a:effectRef idx="0">
+            <a:schemeClr val="accent1"/>
+          </a:effectRef>
+          <a:fontRef idx="minor">
+            <a:schemeClr val="tx1"/>
+          </a:fontRef>
+        </p:style>
+      </p:cxnSp>
+      <p:cxnSp>
+        <p:nvCxnSpPr>
+          <p:cNvPr id="82" name="直線コネクタ 81"/>
+          <p:cNvCxnSpPr/>
+          <p:nvPr/>
+        </p:nvCxnSpPr>
+        <p:spPr>
+          <a:xfrm flipH="1">
+            <a:off x="14005768" y="7980003"/>
+            <a:ext cx="2668" cy="1445997"/>
+          </a:xfrm>
+          <a:prstGeom prst="line">
+            <a:avLst/>
+          </a:prstGeom>
+          <a:ln>
+            <a:solidFill>
+              <a:schemeClr val="accent5">
+                <a:lumMod val="75000"/>
+              </a:schemeClr>
+            </a:solidFill>
+          </a:ln>
+        </p:spPr>
+        <p:style>
+          <a:lnRef idx="1">
+            <a:schemeClr val="accent1"/>
+          </a:lnRef>
+          <a:fillRef idx="0">
+            <a:schemeClr val="accent1"/>
+          </a:fillRef>
+          <a:effectRef idx="0">
+            <a:schemeClr val="accent1"/>
+          </a:effectRef>
+          <a:fontRef idx="minor">
+            <a:schemeClr val="tx1"/>
+          </a:fontRef>
+        </p:style>
+      </p:cxnSp>
+      <p:cxnSp>
+        <p:nvCxnSpPr>
+          <p:cNvPr id="83" name="直線コネクタ 82"/>
+          <p:cNvCxnSpPr/>
+          <p:nvPr/>
+        </p:nvCxnSpPr>
+        <p:spPr>
+          <a:xfrm flipH="1">
+            <a:off x="10016610" y="8017032"/>
+            <a:ext cx="2668" cy="1445997"/>
+          </a:xfrm>
+          <a:prstGeom prst="line">
+            <a:avLst/>
+          </a:prstGeom>
+          <a:ln>
+            <a:solidFill>
+              <a:schemeClr val="accent5">
+                <a:lumMod val="75000"/>
+              </a:schemeClr>
+            </a:solidFill>
+          </a:ln>
+        </p:spPr>
+        <p:style>
+          <a:lnRef idx="1">
+            <a:schemeClr val="accent1"/>
+          </a:lnRef>
+          <a:fillRef idx="0">
+            <a:schemeClr val="accent1"/>
+          </a:fillRef>
+          <a:effectRef idx="0">
+            <a:schemeClr val="accent1"/>
+          </a:effectRef>
+          <a:fontRef idx="minor">
+            <a:schemeClr val="tx1"/>
+          </a:fontRef>
+        </p:style>
+      </p:cxnSp>
+      <p:cxnSp>
+        <p:nvCxnSpPr>
+          <p:cNvPr id="85" name="直線コネクタ 84"/>
+          <p:cNvCxnSpPr/>
+          <p:nvPr/>
+        </p:nvCxnSpPr>
+        <p:spPr>
+          <a:xfrm>
+            <a:off x="14005768" y="5445186"/>
+            <a:ext cx="13530" cy="2498967"/>
+          </a:xfrm>
+          <a:prstGeom prst="line">
+            <a:avLst/>
+          </a:prstGeom>
+          <a:ln>
+            <a:solidFill>
+              <a:schemeClr val="accent5">
+                <a:lumMod val="75000"/>
+              </a:schemeClr>
+            </a:solidFill>
+          </a:ln>
+        </p:spPr>
+        <p:style>
+          <a:lnRef idx="1">
+            <a:schemeClr val="accent1"/>
+          </a:lnRef>
+          <a:fillRef idx="0">
+            <a:schemeClr val="accent1"/>
+          </a:fillRef>
+          <a:effectRef idx="0">
+            <a:schemeClr val="accent1"/>
+          </a:effectRef>
+          <a:fontRef idx="minor">
+            <a:schemeClr val="tx1"/>
+          </a:fontRef>
+        </p:style>
+      </p:cxnSp>
+      <p:sp>
+        <p:nvSpPr>
+          <p:cNvPr id="86" name="テキスト ボックス 85"/>
+          <p:cNvSpPr txBox="1"/>
+          <p:nvPr/>
+        </p:nvSpPr>
+        <p:spPr>
+          <a:xfrm>
+            <a:off x="1338463" y="5627881"/>
+            <a:ext cx="3168352" cy="2123658"/>
+          </a:xfrm>
+          <a:prstGeom prst="rect">
+            <a:avLst/>
+          </a:prstGeom>
+          <a:noFill/>
+        </p:spPr>
+        <p:txBody>
+          <a:bodyPr wrap="square" rtlCol="0">
+            <a:spAutoFit/>
+          </a:bodyPr>
+          <a:lstStyle/>
+          <a:p>
+            <a:r>
+              <a:rPr kumimoji="1" lang="en-US" altLang="ja-JP" sz="4400" dirty="0" smtClean="0">
+                <a:latin typeface="+mn-ea"/>
+              </a:rPr>
+              <a:t>1967</a:t>
+            </a:r>
+          </a:p>
+          <a:p>
+            <a:r>
+              <a:rPr lang="ja-JP" altLang="en-US" sz="4400" dirty="0" smtClean="0">
+                <a:latin typeface="+mn-ea"/>
+              </a:rPr>
+              <a:t>初のチェス</a:t>
+            </a:r>
+            <a:r>
+              <a:rPr lang="ja-JP" altLang="en-US" sz="4400" dirty="0">
+                <a:latin typeface="+mn-ea"/>
+              </a:rPr>
+              <a:t>プログラム</a:t>
+            </a:r>
+            <a:endParaRPr kumimoji="1" lang="ja-JP" altLang="en-US" sz="4400" dirty="0">
+              <a:latin typeface="+mn-ea"/>
+            </a:endParaRPr>
+          </a:p>
+        </p:txBody>
+      </p:sp>
+      <p:sp>
+        <p:nvSpPr>
+          <p:cNvPr id="87" name="テキスト ボックス 86"/>
+          <p:cNvSpPr txBox="1"/>
+          <p:nvPr/>
+        </p:nvSpPr>
+        <p:spPr>
+          <a:xfrm>
+            <a:off x="4924272" y="5627301"/>
+            <a:ext cx="3663437" cy="2123658"/>
+          </a:xfrm>
+          <a:prstGeom prst="rect">
+            <a:avLst/>
+          </a:prstGeom>
+          <a:noFill/>
+        </p:spPr>
+        <p:txBody>
+          <a:bodyPr wrap="square" rtlCol="0">
+            <a:spAutoFit/>
+          </a:bodyPr>
+          <a:lstStyle/>
+          <a:p>
+            <a:r>
+              <a:rPr kumimoji="1" lang="en-US" altLang="ja-JP" sz="4400" dirty="0" smtClean="0">
+                <a:latin typeface="+mn-ea"/>
+              </a:rPr>
+              <a:t>1975</a:t>
+            </a:r>
+          </a:p>
+          <a:p>
+            <a:r>
+              <a:rPr lang="ja-JP" altLang="en-US" sz="4400" dirty="0" smtClean="0">
+                <a:latin typeface="+mn-ea"/>
+              </a:rPr>
+              <a:t>初のリバーシプログラム</a:t>
+            </a:r>
+            <a:endParaRPr kumimoji="1" lang="ja-JP" altLang="en-US" sz="4400" dirty="0">
+              <a:latin typeface="+mn-ea"/>
+            </a:endParaRPr>
+          </a:p>
+        </p:txBody>
+      </p:sp>
+      <p:sp>
+        <p:nvSpPr>
+          <p:cNvPr id="88" name="テキスト ボックス 87"/>
+          <p:cNvSpPr txBox="1"/>
+          <p:nvPr/>
+        </p:nvSpPr>
+        <p:spPr>
+          <a:xfrm>
+            <a:off x="10229885" y="5460301"/>
+            <a:ext cx="3630843" cy="2123658"/>
+          </a:xfrm>
+          <a:prstGeom prst="rect">
+            <a:avLst/>
+          </a:prstGeom>
+          <a:noFill/>
+        </p:spPr>
+        <p:txBody>
+          <a:bodyPr wrap="square" rtlCol="0">
+            <a:spAutoFit/>
+          </a:bodyPr>
+          <a:lstStyle/>
+          <a:p>
+            <a:r>
+              <a:rPr kumimoji="1" lang="en-US" altLang="ja-JP" sz="4400" dirty="0" smtClean="0">
+                <a:latin typeface="+mn-ea"/>
+              </a:rPr>
+              <a:t>1997</a:t>
+            </a:r>
+          </a:p>
+          <a:p>
+            <a:r>
+              <a:rPr lang="ja-JP" altLang="en-US" sz="4400" dirty="0" smtClean="0">
+                <a:latin typeface="+mn-ea"/>
+              </a:rPr>
+              <a:t>リバーシ</a:t>
+            </a:r>
+            <a:r>
+              <a:rPr lang="en-US" altLang="ja-JP" sz="4400" dirty="0" smtClean="0">
+                <a:latin typeface="+mn-ea"/>
+              </a:rPr>
+              <a:t>AI</a:t>
+            </a:r>
+            <a:r>
+              <a:rPr lang="ja-JP" altLang="en-US" sz="4400" dirty="0" smtClean="0">
+                <a:latin typeface="+mn-ea"/>
+              </a:rPr>
+              <a:t>が人間に勝利</a:t>
+            </a:r>
+            <a:endParaRPr lang="en-US" altLang="ja-JP" sz="4400" dirty="0" smtClean="0">
+              <a:latin typeface="+mn-ea"/>
+            </a:endParaRPr>
+          </a:p>
+        </p:txBody>
+      </p:sp>
+      <p:sp>
+        <p:nvSpPr>
+          <p:cNvPr id="89" name="テキスト ボックス 88"/>
+          <p:cNvSpPr txBox="1"/>
+          <p:nvPr/>
+        </p:nvSpPr>
+        <p:spPr>
+          <a:xfrm>
+            <a:off x="14293800" y="4619522"/>
+            <a:ext cx="5943728" cy="1446550"/>
+          </a:xfrm>
+          <a:prstGeom prst="rect">
+            <a:avLst/>
+          </a:prstGeom>
+          <a:noFill/>
+        </p:spPr>
+        <p:txBody>
+          <a:bodyPr wrap="square" rtlCol="0">
+            <a:spAutoFit/>
+          </a:bodyPr>
+          <a:lstStyle/>
+          <a:p>
+            <a:r>
+              <a:rPr kumimoji="1" lang="en-US" altLang="ja-JP" sz="4400" dirty="0" smtClean="0">
+                <a:latin typeface="+mn-ea"/>
+              </a:rPr>
+              <a:t>2013</a:t>
+            </a:r>
+          </a:p>
+          <a:p>
+            <a:r>
+              <a:rPr lang="ja-JP" altLang="en-US" sz="4400" dirty="0" smtClean="0">
+                <a:latin typeface="+mn-ea"/>
+              </a:rPr>
+              <a:t>将棋</a:t>
+            </a:r>
+            <a:r>
+              <a:rPr lang="en-US" altLang="ja-JP" sz="4400" dirty="0" smtClean="0">
+                <a:latin typeface="+mn-ea"/>
+              </a:rPr>
+              <a:t>AI</a:t>
+            </a:r>
+            <a:r>
+              <a:rPr lang="ja-JP" altLang="en-US" sz="4400" dirty="0" smtClean="0">
+                <a:latin typeface="+mn-ea"/>
+              </a:rPr>
+              <a:t>が人間に勝利</a:t>
+            </a:r>
+            <a:endParaRPr kumimoji="1" lang="ja-JP" altLang="en-US" sz="4400" dirty="0">
+              <a:latin typeface="+mn-ea"/>
+            </a:endParaRPr>
+          </a:p>
+        </p:txBody>
+      </p:sp>
+      <p:sp>
+        <p:nvSpPr>
+          <p:cNvPr id="90" name="テキスト ボックス 89"/>
+          <p:cNvSpPr txBox="1"/>
+          <p:nvPr/>
+        </p:nvSpPr>
+        <p:spPr>
+          <a:xfrm>
+            <a:off x="14678042" y="6153969"/>
+            <a:ext cx="5058803" cy="1446550"/>
+          </a:xfrm>
+          <a:prstGeom prst="rect">
+            <a:avLst/>
+          </a:prstGeom>
+          <a:noFill/>
+        </p:spPr>
+        <p:txBody>
+          <a:bodyPr wrap="square" rtlCol="0">
+            <a:spAutoFit/>
+          </a:bodyPr>
+          <a:lstStyle/>
+          <a:p>
+            <a:r>
+              <a:rPr kumimoji="1" lang="en-US" altLang="ja-JP" sz="4400" dirty="0" smtClean="0">
+                <a:latin typeface="+mn-ea"/>
+              </a:rPr>
+              <a:t>2015</a:t>
+            </a:r>
+          </a:p>
+          <a:p>
+            <a:r>
+              <a:rPr lang="ja-JP" altLang="en-US" sz="4400" dirty="0" smtClean="0">
+                <a:latin typeface="+mn-ea"/>
+              </a:rPr>
+              <a:t>第</a:t>
+            </a:r>
+            <a:r>
+              <a:rPr lang="en-US" altLang="ja-JP" sz="4400" dirty="0">
+                <a:latin typeface="+mn-ea"/>
+              </a:rPr>
+              <a:t>1</a:t>
+            </a:r>
+            <a:r>
+              <a:rPr lang="ja-JP" altLang="en-US" sz="4400" dirty="0" smtClean="0">
+                <a:latin typeface="+mn-ea"/>
+              </a:rPr>
+              <a:t>回人狼知能大会</a:t>
+            </a:r>
+            <a:endParaRPr kumimoji="1" lang="ja-JP" altLang="en-US" sz="4400" dirty="0">
+              <a:latin typeface="+mn-ea"/>
+            </a:endParaRPr>
+          </a:p>
+        </p:txBody>
+      </p:sp>
+      <p:sp>
+        <p:nvSpPr>
+          <p:cNvPr id="91" name="テキスト ボックス 90"/>
+          <p:cNvSpPr txBox="1"/>
+          <p:nvPr/>
+        </p:nvSpPr>
+        <p:spPr>
+          <a:xfrm>
+            <a:off x="2315183" y="8614298"/>
+            <a:ext cx="2873015" cy="2123658"/>
+          </a:xfrm>
+          <a:prstGeom prst="rect">
+            <a:avLst/>
+          </a:prstGeom>
+          <a:noFill/>
+        </p:spPr>
+        <p:txBody>
+          <a:bodyPr wrap="square" rtlCol="0">
+            <a:spAutoFit/>
+          </a:bodyPr>
+          <a:lstStyle/>
+          <a:p>
+            <a:r>
+              <a:rPr kumimoji="1" lang="en-US" altLang="ja-JP" sz="4400" dirty="0" smtClean="0">
+                <a:latin typeface="+mn-ea"/>
+              </a:rPr>
+              <a:t>1969</a:t>
+            </a:r>
+          </a:p>
+          <a:p>
+            <a:r>
+              <a:rPr lang="ja-JP" altLang="en-US" sz="4400" dirty="0">
+                <a:latin typeface="+mn-ea"/>
+              </a:rPr>
+              <a:t>初</a:t>
+            </a:r>
+            <a:r>
+              <a:rPr lang="ja-JP" altLang="en-US" sz="4400" dirty="0" smtClean="0">
+                <a:latin typeface="+mn-ea"/>
+              </a:rPr>
+              <a:t>の囲碁プログラム</a:t>
+            </a:r>
+            <a:endParaRPr kumimoji="1" lang="ja-JP" altLang="en-US" sz="4400" dirty="0">
+              <a:latin typeface="+mn-ea"/>
+            </a:endParaRPr>
+          </a:p>
+        </p:txBody>
+      </p:sp>
+      <p:sp>
+        <p:nvSpPr>
+          <p:cNvPr id="92" name="テキスト ボックス 91"/>
+          <p:cNvSpPr txBox="1"/>
+          <p:nvPr/>
+        </p:nvSpPr>
+        <p:spPr>
+          <a:xfrm>
+            <a:off x="5846805" y="8562131"/>
+            <a:ext cx="3806687" cy="2800767"/>
+          </a:xfrm>
+          <a:prstGeom prst="rect">
+            <a:avLst/>
+          </a:prstGeom>
+          <a:noFill/>
+        </p:spPr>
+        <p:txBody>
+          <a:bodyPr wrap="square" rtlCol="0">
+            <a:spAutoFit/>
+          </a:bodyPr>
+          <a:lstStyle/>
+          <a:p>
+            <a:r>
+              <a:rPr kumimoji="1" lang="en-US" altLang="ja-JP" sz="4400" dirty="0" smtClean="0">
+                <a:latin typeface="+mn-ea"/>
+              </a:rPr>
+              <a:t>1979</a:t>
+            </a:r>
+          </a:p>
+          <a:p>
+            <a:r>
+              <a:rPr lang="ja-JP" altLang="en-US" sz="4400" dirty="0">
+                <a:latin typeface="+mn-ea"/>
+              </a:rPr>
+              <a:t>初</a:t>
+            </a:r>
+            <a:r>
+              <a:rPr lang="ja-JP" altLang="en-US" sz="4400" dirty="0" smtClean="0">
+                <a:latin typeface="+mn-ea"/>
+              </a:rPr>
+              <a:t>の将棋コンピュータ同士の対局</a:t>
+            </a:r>
+            <a:endParaRPr kumimoji="1" lang="ja-JP" altLang="en-US" sz="4400" dirty="0">
+              <a:latin typeface="+mn-ea"/>
+            </a:endParaRPr>
+          </a:p>
+        </p:txBody>
+      </p:sp>
+      <p:sp>
+        <p:nvSpPr>
+          <p:cNvPr id="93" name="テキスト ボックス 92"/>
+          <p:cNvSpPr txBox="1"/>
+          <p:nvPr/>
+        </p:nvSpPr>
+        <p:spPr>
+          <a:xfrm>
+            <a:off x="10301993" y="8521171"/>
+            <a:ext cx="3952948" cy="2123658"/>
+          </a:xfrm>
+          <a:prstGeom prst="rect">
+            <a:avLst/>
+          </a:prstGeom>
+          <a:noFill/>
+        </p:spPr>
+        <p:txBody>
+          <a:bodyPr wrap="square" rtlCol="0">
+            <a:spAutoFit/>
+          </a:bodyPr>
+          <a:lstStyle/>
+          <a:p>
+            <a:r>
+              <a:rPr kumimoji="1" lang="en-US" altLang="ja-JP" sz="4400" dirty="0" smtClean="0">
+                <a:latin typeface="+mn-ea"/>
+              </a:rPr>
+              <a:t>1997</a:t>
+            </a:r>
+          </a:p>
+          <a:p>
+            <a:r>
+              <a:rPr kumimoji="1" lang="ja-JP" altLang="en-US" sz="4400" dirty="0" smtClean="0">
+                <a:latin typeface="+mn-ea"/>
+              </a:rPr>
+              <a:t>チェス</a:t>
+            </a:r>
+            <a:r>
+              <a:rPr kumimoji="1" lang="en-US" altLang="ja-JP" sz="4400" dirty="0" smtClean="0">
+                <a:latin typeface="+mn-ea"/>
+              </a:rPr>
+              <a:t>AI</a:t>
+            </a:r>
+            <a:r>
+              <a:rPr kumimoji="1" lang="ja-JP" altLang="en-US" sz="4400" dirty="0" smtClean="0">
+                <a:latin typeface="+mn-ea"/>
+              </a:rPr>
+              <a:t>が</a:t>
+            </a:r>
+            <a:endParaRPr kumimoji="1" lang="en-US" altLang="ja-JP" sz="4400" dirty="0" smtClean="0">
+              <a:latin typeface="+mn-ea"/>
+            </a:endParaRPr>
+          </a:p>
+          <a:p>
+            <a:r>
+              <a:rPr kumimoji="1" lang="ja-JP" altLang="en-US" sz="4400" dirty="0" smtClean="0">
+                <a:latin typeface="+mn-ea"/>
+              </a:rPr>
+              <a:t>人間に勝利</a:t>
+            </a:r>
+            <a:endParaRPr kumimoji="1" lang="ja-JP" altLang="en-US" sz="4400" dirty="0">
+              <a:latin typeface="+mn-ea"/>
+            </a:endParaRPr>
+          </a:p>
+        </p:txBody>
+      </p:sp>
+      <p:sp>
+        <p:nvSpPr>
+          <p:cNvPr id="94" name="テキスト ボックス 93"/>
+          <p:cNvSpPr txBox="1"/>
+          <p:nvPr/>
+        </p:nvSpPr>
+        <p:spPr>
+          <a:xfrm>
+            <a:off x="14246349" y="8703001"/>
+            <a:ext cx="7725456" cy="1446550"/>
+          </a:xfrm>
+          <a:prstGeom prst="rect">
+            <a:avLst/>
+          </a:prstGeom>
+          <a:noFill/>
+        </p:spPr>
+        <p:txBody>
+          <a:bodyPr wrap="square" rtlCol="0">
+            <a:spAutoFit/>
+          </a:bodyPr>
+          <a:lstStyle/>
+          <a:p>
+            <a:r>
+              <a:rPr kumimoji="1" lang="en-US" altLang="ja-JP" sz="4400" dirty="0" smtClean="0">
+                <a:solidFill>
+                  <a:srgbClr val="FF0000"/>
+                </a:solidFill>
+                <a:latin typeface="+mn-ea"/>
+              </a:rPr>
+              <a:t>2013</a:t>
+            </a:r>
+          </a:p>
+          <a:p>
+            <a:r>
+              <a:rPr lang="ja-JP" altLang="en-US" sz="4400" dirty="0">
+                <a:solidFill>
+                  <a:srgbClr val="FF0000"/>
+                </a:solidFill>
+                <a:latin typeface="+mn-ea"/>
+              </a:rPr>
+              <a:t>人</a:t>
+            </a:r>
+            <a:r>
+              <a:rPr lang="ja-JP" altLang="en-US" sz="4400" dirty="0" smtClean="0">
+                <a:solidFill>
+                  <a:srgbClr val="FF0000"/>
+                </a:solidFill>
+                <a:latin typeface="+mn-ea"/>
+              </a:rPr>
+              <a:t>狼</a:t>
+            </a:r>
+            <a:r>
+              <a:rPr lang="en-US" altLang="ja-JP" sz="4400" dirty="0" smtClean="0">
+                <a:solidFill>
+                  <a:srgbClr val="FF0000"/>
+                </a:solidFill>
+                <a:latin typeface="+mn-ea"/>
+              </a:rPr>
+              <a:t>AI</a:t>
+            </a:r>
+            <a:r>
+              <a:rPr lang="ja-JP" altLang="en-US" sz="4400" dirty="0" smtClean="0">
+                <a:solidFill>
+                  <a:srgbClr val="FF0000"/>
+                </a:solidFill>
+                <a:latin typeface="+mn-ea"/>
+              </a:rPr>
+              <a:t>プロジェクト開始</a:t>
+            </a:r>
+            <a:endParaRPr kumimoji="1" lang="ja-JP" altLang="en-US" sz="4400" dirty="0">
+              <a:solidFill>
+                <a:srgbClr val="FF0000"/>
+              </a:solidFill>
+              <a:latin typeface="+mn-ea"/>
+            </a:endParaRPr>
+          </a:p>
+        </p:txBody>
+      </p:sp>
     </p:spTree>
     <p:extLst>
       <p:ext uri="{BB962C8B-B14F-4D97-AF65-F5344CB8AC3E}">

--- a/課題研究/2015/浜野太豪/ポスター1342097浜野太豪.pptx
+++ b/課題研究/2015/浜野太豪/ポスター1342097浜野太豪.pptx
@@ -5568,8 +5568,8 @@
         </p:nvCxnSpPr>
         <p:spPr>
           <a:xfrm flipV="1">
-            <a:off x="541823" y="7960518"/>
-            <a:ext cx="19287045" cy="56514"/>
+            <a:off x="485904" y="8013510"/>
+            <a:ext cx="20176123" cy="3133"/>
           </a:xfrm>
           <a:prstGeom prst="straightConnector1">
             <a:avLst/>
@@ -5604,17 +5604,15 @@
         </p:nvCxnSpPr>
         <p:spPr>
           <a:xfrm flipH="1">
-            <a:off x="5557486" y="7928871"/>
+            <a:off x="5592307" y="8115142"/>
             <a:ext cx="2668" cy="1445997"/>
           </a:xfrm>
           <a:prstGeom prst="line">
             <a:avLst/>
           </a:prstGeom>
-          <a:ln>
+          <a:ln w="38100">
             <a:solidFill>
-              <a:schemeClr val="accent5">
-                <a:lumMod val="75000"/>
-              </a:schemeClr>
+              <a:srgbClr val="26457C"/>
             </a:solidFill>
           </a:ln>
         </p:spPr>
@@ -5641,17 +5639,15 @@
         </p:nvCxnSpPr>
         <p:spPr>
           <a:xfrm flipH="1">
-            <a:off x="1188344" y="6614038"/>
+            <a:off x="1144168" y="6468712"/>
             <a:ext cx="2668" cy="1445997"/>
           </a:xfrm>
           <a:prstGeom prst="line">
             <a:avLst/>
           </a:prstGeom>
-          <a:ln>
+          <a:ln w="38100">
             <a:solidFill>
-              <a:schemeClr val="accent5">
-                <a:lumMod val="75000"/>
-              </a:schemeClr>
+              <a:srgbClr val="26457C"/>
             </a:solidFill>
           </a:ln>
         </p:spPr>
@@ -5678,17 +5674,15 @@
         </p:nvCxnSpPr>
         <p:spPr>
           <a:xfrm flipH="1">
-            <a:off x="1989085" y="8041039"/>
+            <a:off x="1993572" y="8115141"/>
             <a:ext cx="2668" cy="1445997"/>
           </a:xfrm>
           <a:prstGeom prst="line">
             <a:avLst/>
           </a:prstGeom>
-          <a:ln>
+          <a:ln w="38100">
             <a:solidFill>
-              <a:schemeClr val="accent5">
-                <a:lumMod val="75000"/>
-              </a:schemeClr>
+              <a:srgbClr val="26457C"/>
             </a:solidFill>
           </a:ln>
         </p:spPr>
@@ -5715,17 +5709,15 @@
         </p:nvCxnSpPr>
         <p:spPr>
           <a:xfrm flipH="1">
-            <a:off x="10025821" y="6745984"/>
+            <a:off x="10032922" y="6454759"/>
             <a:ext cx="2668" cy="1445997"/>
           </a:xfrm>
           <a:prstGeom prst="line">
             <a:avLst/>
           </a:prstGeom>
-          <a:ln>
+          <a:ln w="38100">
             <a:solidFill>
-              <a:schemeClr val="accent5">
-                <a:lumMod val="75000"/>
-              </a:schemeClr>
+              <a:srgbClr val="26457C"/>
             </a:solidFill>
           </a:ln>
         </p:spPr>
@@ -5758,11 +5750,9 @@
           <a:prstGeom prst="line">
             <a:avLst/>
           </a:prstGeom>
-          <a:ln>
+          <a:ln w="38100">
             <a:solidFill>
-              <a:schemeClr val="accent5">
-                <a:lumMod val="75000"/>
-              </a:schemeClr>
+              <a:srgbClr val="26457C"/>
             </a:solidFill>
           </a:ln>
         </p:spPr>
@@ -5789,17 +5779,15 @@
         </p:nvCxnSpPr>
         <p:spPr>
           <a:xfrm flipH="1">
-            <a:off x="14293800" y="6505858"/>
+            <a:off x="14293800" y="6468712"/>
             <a:ext cx="2668" cy="1445997"/>
           </a:xfrm>
           <a:prstGeom prst="line">
             <a:avLst/>
           </a:prstGeom>
-          <a:ln>
+          <a:ln w="38100">
             <a:solidFill>
-              <a:schemeClr val="accent5">
-                <a:lumMod val="75000"/>
-              </a:schemeClr>
+              <a:srgbClr val="26457C"/>
             </a:solidFill>
           </a:ln>
         </p:spPr>
@@ -5826,17 +5814,15 @@
         </p:nvCxnSpPr>
         <p:spPr>
           <a:xfrm flipH="1">
-            <a:off x="14005768" y="7980003"/>
+            <a:off x="14049400" y="8086051"/>
             <a:ext cx="2668" cy="1445997"/>
           </a:xfrm>
           <a:prstGeom prst="line">
             <a:avLst/>
           </a:prstGeom>
-          <a:ln>
+          <a:ln w="38100">
             <a:solidFill>
-              <a:schemeClr val="accent5">
-                <a:lumMod val="75000"/>
-              </a:schemeClr>
+              <a:srgbClr val="26457C"/>
             </a:solidFill>
           </a:ln>
         </p:spPr>
@@ -5863,17 +5849,15 @@
         </p:nvCxnSpPr>
         <p:spPr>
           <a:xfrm flipH="1">
-            <a:off x="10016610" y="8017032"/>
+            <a:off x="10018453" y="8135571"/>
             <a:ext cx="2668" cy="1445997"/>
           </a:xfrm>
           <a:prstGeom prst="line">
             <a:avLst/>
           </a:prstGeom>
-          <a:ln>
+          <a:ln w="38100">
             <a:solidFill>
-              <a:schemeClr val="accent5">
-                <a:lumMod val="75000"/>
-              </a:schemeClr>
+              <a:srgbClr val="26457C"/>
             </a:solidFill>
           </a:ln>
         </p:spPr>
@@ -5900,17 +5884,15 @@
         </p:nvCxnSpPr>
         <p:spPr>
           <a:xfrm>
-            <a:off x="14005768" y="5445186"/>
+            <a:off x="14005768" y="5369933"/>
             <a:ext cx="13530" cy="2498967"/>
           </a:xfrm>
           <a:prstGeom prst="line">
             <a:avLst/>
           </a:prstGeom>
-          <a:ln>
+          <a:ln w="38100">
             <a:solidFill>
-              <a:schemeClr val="accent5">
-                <a:lumMod val="75000"/>
-              </a:schemeClr>
+              <a:srgbClr val="26457C"/>
             </a:solidFill>
           </a:ln>
         </p:spPr>
@@ -6189,7 +6171,7 @@
         </p:nvSpPr>
         <p:spPr>
           <a:xfrm>
-            <a:off x="2315183" y="8614298"/>
+            <a:off x="2300449" y="8699384"/>
             <a:ext cx="2873015" cy="2123658"/>
           </a:xfrm>
           <a:prstGeom prst="rect">
@@ -6237,7 +6219,7 @@
         </p:nvSpPr>
         <p:spPr>
           <a:xfrm>
-            <a:off x="5846805" y="8562131"/>
+            <a:off x="5841752" y="8591743"/>
             <a:ext cx="3806687" cy="2800767"/>
           </a:xfrm>
           <a:prstGeom prst="rect">
@@ -6285,7 +6267,7 @@
         </p:nvSpPr>
         <p:spPr>
           <a:xfrm>
-            <a:off x="10301993" y="8521171"/>
+            <a:off x="10551709" y="8705651"/>
             <a:ext cx="3952948" cy="2123658"/>
           </a:xfrm>
           <a:prstGeom prst="rect">

--- a/課題研究/2015/浜野太豪/ポスター1342097浜野太豪.pptx
+++ b/課題研究/2015/浜野太豪/ポスター1342097浜野太豪.pptx
@@ -3975,7 +3975,7 @@
         </p:nvSpPr>
         <p:spPr>
           <a:xfrm>
-            <a:off x="712682" y="19307540"/>
+            <a:off x="485904" y="19103076"/>
             <a:ext cx="19537052" cy="7379116"/>
           </a:xfrm>
           <a:prstGeom prst="rect">
@@ -4009,16 +4009,36 @@
           <a:lstStyle/>
           <a:p>
             <a:r>
-              <a:rPr lang="ja-JP" altLang="en-US" sz="4000" dirty="0" smtClean="0">
+              <a:rPr lang="ja-JP" altLang="en-US" sz="3600" dirty="0" smtClean="0">
                 <a:solidFill>
                   <a:schemeClr val="tx1"/>
                 </a:solidFill>
                 <a:latin typeface="+mj-ea"/>
                 <a:ea typeface="+mj-ea"/>
               </a:rPr>
-              <a:t>饂飩プログラムによる人狼の推論方法</a:t>
-            </a:r>
-            <a:endParaRPr lang="en-US" altLang="ja-JP" sz="4000" dirty="0" smtClean="0">
+              <a:t>人狼知能サーバの起動を</a:t>
+            </a:r>
+            <a:r>
+              <a:rPr lang="en-US" altLang="ja-JP" sz="3600" dirty="0" smtClean="0">
+                <a:solidFill>
+                  <a:schemeClr val="tx1"/>
+                </a:solidFill>
+                <a:latin typeface="+mj-ea"/>
+                <a:ea typeface="+mj-ea"/>
+              </a:rPr>
+              <a:t>Eclipse</a:t>
+            </a:r>
+            <a:r>
+              <a:rPr lang="ja-JP" altLang="en-US" sz="3600" dirty="0" smtClean="0">
+                <a:solidFill>
+                  <a:schemeClr val="tx1"/>
+                </a:solidFill>
+                <a:latin typeface="+mj-ea"/>
+                <a:ea typeface="+mj-ea"/>
+              </a:rPr>
+              <a:t>を用いて行った。</a:t>
+            </a:r>
+            <a:endParaRPr lang="en-US" altLang="ja-JP" sz="3600" dirty="0" smtClean="0">
               <a:solidFill>
                 <a:schemeClr val="tx1"/>
               </a:solidFill>
@@ -4027,154 +4047,7 @@
             </a:endParaRPr>
           </a:p>
           <a:p>
-            <a:pPr marL="742950" indent="-742950">
-              <a:buFont typeface="+mj-lt"/>
-              <a:buAutoNum type="arabicPeriod"/>
-            </a:pPr>
-            <a:r>
-              <a:rPr lang="ja-JP" altLang="en-US" sz="4000" dirty="0" smtClean="0">
-                <a:solidFill>
-                  <a:schemeClr val="tx1"/>
-                </a:solidFill>
-                <a:latin typeface="+mn-ea"/>
-              </a:rPr>
-              <a:t>確定情報の整理　</a:t>
-            </a:r>
-            <a:endParaRPr lang="en-US" altLang="ja-JP" sz="4000" dirty="0">
-              <a:solidFill>
-                <a:schemeClr val="tx1"/>
-              </a:solidFill>
-              <a:latin typeface="+mn-ea"/>
-            </a:endParaRPr>
-          </a:p>
-          <a:p>
-            <a:pPr marL="742950" indent="-742950">
-              <a:buFont typeface="+mj-lt"/>
-              <a:buAutoNum type="arabicPeriod"/>
-            </a:pPr>
-            <a:r>
-              <a:rPr lang="ja-JP" altLang="en-US" sz="4000" dirty="0" smtClean="0">
-                <a:solidFill>
-                  <a:schemeClr val="tx1"/>
-                </a:solidFill>
-                <a:latin typeface="+mn-ea"/>
-              </a:rPr>
-              <a:t>人</a:t>
-            </a:r>
-            <a:r>
-              <a:rPr lang="ja-JP" altLang="en-US" sz="4000" dirty="0">
-                <a:solidFill>
-                  <a:schemeClr val="tx1"/>
-                </a:solidFill>
-                <a:latin typeface="+mn-ea"/>
-              </a:rPr>
-              <a:t>狼</a:t>
-            </a:r>
-            <a:r>
-              <a:rPr lang="ja-JP" altLang="en-US" sz="4000" dirty="0" smtClean="0">
-                <a:solidFill>
-                  <a:schemeClr val="tx1"/>
-                </a:solidFill>
-                <a:latin typeface="+mn-ea"/>
-              </a:rPr>
-              <a:t>の推理</a:t>
-            </a:r>
-            <a:endParaRPr lang="en-US" altLang="ja-JP" sz="4000" dirty="0" smtClean="0">
-              <a:solidFill>
-                <a:schemeClr val="tx1"/>
-              </a:solidFill>
-              <a:latin typeface="+mn-ea"/>
-            </a:endParaRPr>
-          </a:p>
-          <a:p>
-            <a:pPr marL="742950" indent="-742950">
-              <a:buFont typeface="+mj-lt"/>
-              <a:buAutoNum type="arabicPeriod"/>
-            </a:pPr>
-            <a:r>
-              <a:rPr lang="ja-JP" altLang="en-US" sz="4000" dirty="0" smtClean="0">
-                <a:solidFill>
-                  <a:schemeClr val="tx1"/>
-                </a:solidFill>
-                <a:latin typeface="+mn-ea"/>
-              </a:rPr>
-              <a:t>確定</a:t>
-            </a:r>
-            <a:r>
-              <a:rPr lang="ja-JP" altLang="en-US" sz="4000" dirty="0">
-                <a:solidFill>
-                  <a:schemeClr val="tx1"/>
-                </a:solidFill>
-                <a:latin typeface="+mn-ea"/>
-              </a:rPr>
-              <a:t>情報</a:t>
-            </a:r>
-            <a:r>
-              <a:rPr lang="ja-JP" altLang="en-US" sz="4000" dirty="0" smtClean="0">
-                <a:solidFill>
-                  <a:schemeClr val="tx1"/>
-                </a:solidFill>
-                <a:latin typeface="+mn-ea"/>
-              </a:rPr>
-              <a:t>と推理をもとに行動を選択</a:t>
-            </a:r>
-            <a:endParaRPr lang="en-US" altLang="ja-JP" sz="4000" dirty="0" smtClean="0">
-              <a:solidFill>
-                <a:schemeClr val="tx1"/>
-              </a:solidFill>
-              <a:latin typeface="+mn-ea"/>
-            </a:endParaRPr>
-          </a:p>
-          <a:p>
-            <a:endParaRPr lang="en-US" altLang="ja-JP" sz="4000" dirty="0" smtClean="0">
-              <a:solidFill>
-                <a:schemeClr val="tx1"/>
-              </a:solidFill>
-              <a:latin typeface="+mn-ea"/>
-            </a:endParaRPr>
-          </a:p>
-          <a:p>
-            <a:r>
-              <a:rPr lang="ja-JP" altLang="en-US" sz="4000" dirty="0">
-                <a:solidFill>
-                  <a:schemeClr val="tx1"/>
-                </a:solidFill>
-                <a:latin typeface="+mj-ea"/>
-                <a:ea typeface="+mj-ea"/>
-              </a:rPr>
-              <a:t>パターン化</a:t>
-            </a:r>
-            <a:r>
-              <a:rPr lang="ja-JP" altLang="en-US" sz="4000" dirty="0" smtClean="0">
-                <a:solidFill>
-                  <a:schemeClr val="tx1"/>
-                </a:solidFill>
-                <a:latin typeface="+mj-ea"/>
-                <a:ea typeface="+mj-ea"/>
-              </a:rPr>
-              <a:t>によ</a:t>
-            </a:r>
-            <a:r>
-              <a:rPr lang="ja-JP" altLang="en-US" sz="4000" dirty="0">
-                <a:solidFill>
-                  <a:schemeClr val="tx1"/>
-                </a:solidFill>
-                <a:latin typeface="+mj-ea"/>
-                <a:ea typeface="+mj-ea"/>
-              </a:rPr>
-              <a:t>る</a:t>
-            </a:r>
-            <a:r>
-              <a:rPr lang="ja-JP" altLang="en-US" sz="4000" dirty="0" smtClean="0">
-                <a:solidFill>
-                  <a:schemeClr val="tx1"/>
-                </a:solidFill>
-                <a:latin typeface="+mj-ea"/>
-                <a:ea typeface="+mj-ea"/>
-              </a:rPr>
-              <a:t>人狼の矛盾発見方法</a:t>
-            </a:r>
-            <a:endParaRPr lang="en-US" altLang="ja-JP" sz="4000" dirty="0" smtClean="0">
+            <a:endParaRPr lang="en-US" altLang="ja-JP" sz="3600" dirty="0" smtClean="0">
               <a:solidFill>
                 <a:schemeClr val="tx1"/>
               </a:solidFill>
@@ -4184,51 +4057,48 @@
           </a:p>
           <a:p>
             <a:r>
-              <a:rPr lang="en-US" altLang="ja-JP" sz="4000" dirty="0" smtClean="0">
+              <a:rPr lang="ja-JP" altLang="en-US" sz="3600" dirty="0" smtClean="0">
                 <a:solidFill>
                   <a:schemeClr val="tx1"/>
                 </a:solidFill>
-                <a:latin typeface="+mn-ea"/>
-              </a:rPr>
-              <a:t>C</a:t>
-            </a:r>
-            <a:r>
-              <a:rPr lang="ja-JP" altLang="en-US" sz="4000" dirty="0" err="1" smtClean="0">
+                <a:latin typeface="+mj-ea"/>
+                <a:ea typeface="+mj-ea"/>
+              </a:rPr>
+              <a:t>饂飩</a:t>
+            </a:r>
+            <a:r>
+              <a:rPr lang="ja-JP" altLang="en-US" sz="3600" dirty="0" smtClean="0">
                 <a:solidFill>
                   <a:schemeClr val="tx1"/>
                 </a:solidFill>
-                <a:latin typeface="+mn-ea"/>
-              </a:rPr>
-              <a:t>さん</a:t>
-            </a:r>
-            <a:r>
-              <a:rPr lang="en-US" altLang="ja-JP" sz="4000" dirty="0" smtClean="0">
+                <a:latin typeface="+mj-ea"/>
+                <a:ea typeface="+mj-ea"/>
+              </a:rPr>
+              <a:t>プログラムによる人狼の推論方法</a:t>
+            </a:r>
+            <a:endParaRPr lang="en-US" altLang="ja-JP" sz="3600" dirty="0" smtClean="0">
+              <a:solidFill>
+                <a:schemeClr val="tx1"/>
+              </a:solidFill>
+              <a:latin typeface="+mj-ea"/>
+              <a:ea typeface="+mj-ea"/>
+            </a:endParaRPr>
+          </a:p>
+          <a:p>
+            <a:pPr marL="742950" indent="-742950">
+              <a:buFont typeface="+mj-lt"/>
+              <a:buAutoNum type="arabicPeriod"/>
+            </a:pPr>
+            <a:r>
+              <a:rPr lang="ja-JP" altLang="en-US" sz="3600" dirty="0" smtClean="0">
                 <a:solidFill>
                   <a:schemeClr val="tx1"/>
                 </a:solidFill>
                 <a:latin typeface="+mn-ea"/>
               </a:rPr>
-              <a:t>D</a:t>
-            </a:r>
-            <a:r>
-              <a:rPr lang="ja-JP" altLang="en-US" sz="4000" dirty="0" err="1" smtClean="0">
-                <a:solidFill>
-                  <a:schemeClr val="tx1"/>
-                </a:solidFill>
-                <a:latin typeface="+mn-ea"/>
-              </a:rPr>
-              <a:t>さんは</a:t>
-            </a:r>
-            <a:r>
-              <a:rPr lang="ja-JP" altLang="en-US" sz="4000" dirty="0" smtClean="0">
-                <a:solidFill>
-                  <a:schemeClr val="tx1"/>
-                </a:solidFill>
-                <a:latin typeface="+mn-ea"/>
-              </a:rPr>
-              <a:t>処刑された。</a:t>
-            </a:r>
-            <a:endParaRPr lang="en-US" altLang="ja-JP" sz="4000" dirty="0">
+              <a:t>確定情報の整理　</a:t>
+            </a:r>
+            <a:endParaRPr lang="en-US" altLang="ja-JP" sz="3600" dirty="0">
               <a:solidFill>
                 <a:schemeClr val="tx1"/>
               </a:solidFill>
@@ -4236,79 +4106,38 @@
             </a:endParaRPr>
           </a:p>
           <a:p>
-            <a:r>
-              <a:rPr lang="ja-JP" altLang="en-US" sz="4000" dirty="0" smtClean="0">
+            <a:pPr marL="742950" indent="-742950">
+              <a:buFont typeface="+mj-lt"/>
+              <a:buAutoNum type="arabicPeriod"/>
+            </a:pPr>
+            <a:r>
+              <a:rPr lang="ja-JP" altLang="en-US" sz="3600" dirty="0" smtClean="0">
                 <a:solidFill>
                   <a:schemeClr val="tx1"/>
                 </a:solidFill>
                 <a:latin typeface="+mn-ea"/>
               </a:rPr>
-              <a:t>占い師</a:t>
-            </a:r>
-            <a:r>
-              <a:rPr lang="en-US" altLang="ja-JP" sz="4000" dirty="0" smtClean="0">
+              <a:t>人</a:t>
+            </a:r>
+            <a:r>
+              <a:rPr lang="ja-JP" altLang="en-US" sz="3600" dirty="0">
                 <a:solidFill>
                   <a:schemeClr val="tx1"/>
                 </a:solidFill>
                 <a:latin typeface="+mn-ea"/>
               </a:rPr>
-              <a:t>A	</a:t>
-            </a:r>
-            <a:r>
-              <a:rPr lang="en-US" altLang="ja-JP" sz="4000" dirty="0">
+              <a:t>狼</a:t>
+            </a:r>
+            <a:r>
+              <a:rPr lang="ja-JP" altLang="en-US" sz="3600" dirty="0" smtClean="0">
                 <a:solidFill>
                   <a:schemeClr val="tx1"/>
                 </a:solidFill>
                 <a:latin typeface="+mn-ea"/>
               </a:rPr>
-              <a:t>C</a:t>
-            </a:r>
-            <a:r>
-              <a:rPr lang="ja-JP" altLang="en-US" sz="4000" dirty="0" err="1" smtClean="0">
-                <a:solidFill>
-                  <a:schemeClr val="tx1"/>
-                </a:solidFill>
-                <a:latin typeface="+mn-ea"/>
-              </a:rPr>
-              <a:t>さんは</a:t>
-            </a:r>
-            <a:r>
-              <a:rPr lang="ja-JP" altLang="en-US" sz="4000" dirty="0" smtClean="0">
-                <a:solidFill>
-                  <a:schemeClr val="tx1"/>
-                </a:solidFill>
-                <a:latin typeface="+mn-ea"/>
-              </a:rPr>
-              <a:t>人狼だった　</a:t>
-            </a:r>
-            <a:r>
-              <a:rPr lang="en-US" altLang="ja-JP" sz="4000" dirty="0" smtClean="0">
-                <a:solidFill>
-                  <a:schemeClr val="tx1"/>
-                </a:solidFill>
-                <a:latin typeface="+mn-ea"/>
-              </a:rPr>
-              <a:t>D</a:t>
-            </a:r>
-            <a:r>
-              <a:rPr lang="ja-JP" altLang="en-US" sz="4000" dirty="0" err="1" smtClean="0">
-                <a:solidFill>
-                  <a:schemeClr val="tx1"/>
-                </a:solidFill>
-                <a:latin typeface="+mn-ea"/>
-              </a:rPr>
-              <a:t>さんは</a:t>
-            </a:r>
-            <a:r>
-              <a:rPr lang="ja-JP" altLang="en-US" sz="4000" dirty="0" smtClean="0">
-                <a:solidFill>
-                  <a:schemeClr val="tx1"/>
-                </a:solidFill>
-                <a:latin typeface="+mn-ea"/>
-              </a:rPr>
-              <a:t>人間だった</a:t>
-            </a:r>
-            <a:endParaRPr lang="en-US" altLang="ja-JP" sz="4000" dirty="0" smtClean="0">
+              <a:t>の推理</a:t>
+            </a:r>
+            <a:endParaRPr lang="en-US" altLang="ja-JP" sz="3600" dirty="0" smtClean="0">
               <a:solidFill>
                 <a:schemeClr val="tx1"/>
               </a:solidFill>
@@ -4316,79 +4145,38 @@
             </a:endParaRPr>
           </a:p>
           <a:p>
-            <a:r>
-              <a:rPr lang="ja-JP" altLang="en-US" sz="4000" dirty="0" smtClean="0">
+            <a:pPr marL="742950" indent="-742950">
+              <a:buFont typeface="+mj-lt"/>
+              <a:buAutoNum type="arabicPeriod"/>
+            </a:pPr>
+            <a:r>
+              <a:rPr lang="ja-JP" altLang="en-US" sz="3600" dirty="0" smtClean="0">
                 <a:solidFill>
                   <a:schemeClr val="tx1"/>
                 </a:solidFill>
                 <a:latin typeface="+mn-ea"/>
               </a:rPr>
-              <a:t>占い師</a:t>
-            </a:r>
-            <a:r>
-              <a:rPr lang="en-US" altLang="ja-JP" sz="4000" dirty="0" smtClean="0">
+              <a:t>確定</a:t>
+            </a:r>
+            <a:r>
+              <a:rPr lang="ja-JP" altLang="en-US" sz="3600" dirty="0">
                 <a:solidFill>
                   <a:schemeClr val="tx1"/>
                 </a:solidFill>
                 <a:latin typeface="+mn-ea"/>
               </a:rPr>
-              <a:t>B	C</a:t>
-            </a:r>
-            <a:r>
-              <a:rPr lang="ja-JP" altLang="en-US" sz="4000" dirty="0" err="1" smtClean="0">
+              <a:t>情報</a:t>
+            </a:r>
+            <a:r>
+              <a:rPr lang="ja-JP" altLang="en-US" sz="3600" dirty="0" smtClean="0">
                 <a:solidFill>
                   <a:schemeClr val="tx1"/>
                 </a:solidFill>
                 <a:latin typeface="+mn-ea"/>
               </a:rPr>
-              <a:t>さんは</a:t>
-            </a:r>
-            <a:r>
-              <a:rPr lang="ja-JP" altLang="en-US" sz="4000" dirty="0" smtClean="0">
-                <a:solidFill>
-                  <a:schemeClr val="tx1"/>
-                </a:solidFill>
-                <a:latin typeface="+mn-ea"/>
-              </a:rPr>
-              <a:t>人間だった</a:t>
-            </a:r>
-            <a:r>
-              <a:rPr lang="ja-JP" altLang="en-US" sz="4000" dirty="0">
-                <a:solidFill>
-                  <a:schemeClr val="tx1"/>
-                </a:solidFill>
-                <a:latin typeface="+mn-ea"/>
-              </a:rPr>
-              <a:t>　</a:t>
-            </a:r>
-            <a:r>
-              <a:rPr lang="en-US" altLang="ja-JP" sz="4000" dirty="0" smtClean="0">
-                <a:solidFill>
-                  <a:schemeClr val="tx1"/>
-                </a:solidFill>
-                <a:latin typeface="+mn-ea"/>
-              </a:rPr>
-              <a:t>D</a:t>
-            </a:r>
-            <a:r>
-              <a:rPr lang="ja-JP" altLang="en-US" sz="4000" dirty="0" err="1" smtClean="0">
-                <a:solidFill>
-                  <a:schemeClr val="tx1"/>
-                </a:solidFill>
-                <a:latin typeface="+mn-ea"/>
-              </a:rPr>
-              <a:t>さんは</a:t>
-            </a:r>
-            <a:r>
-              <a:rPr lang="ja-JP" altLang="en-US" sz="4000" dirty="0" smtClean="0">
-                <a:solidFill>
-                  <a:schemeClr val="tx1"/>
-                </a:solidFill>
-                <a:latin typeface="+mn-ea"/>
-              </a:rPr>
-              <a:t>人狼だった</a:t>
-            </a:r>
-            <a:endParaRPr lang="en-US" altLang="ja-JP" sz="4000" dirty="0" smtClean="0">
+              <a:t>と推理をもとに行動を選択</a:t>
+            </a:r>
+            <a:endParaRPr lang="en-US" altLang="ja-JP" sz="3600" dirty="0" smtClean="0">
               <a:solidFill>
                 <a:schemeClr val="tx1"/>
               </a:solidFill>
@@ -4396,79 +4184,7 @@
             </a:endParaRPr>
           </a:p>
           <a:p>
-            <a:r>
-              <a:rPr lang="ja-JP" altLang="en-US" sz="4000" dirty="0" smtClean="0">
-                <a:solidFill>
-                  <a:schemeClr val="tx1"/>
-                </a:solidFill>
-                <a:latin typeface="+mn-ea"/>
-              </a:rPr>
-              <a:t>霊媒師</a:t>
-            </a:r>
-            <a:r>
-              <a:rPr lang="en-US" altLang="ja-JP" sz="4000" dirty="0" smtClean="0">
-                <a:solidFill>
-                  <a:schemeClr val="tx1"/>
-                </a:solidFill>
-                <a:latin typeface="+mn-ea"/>
-              </a:rPr>
-              <a:t>E	C</a:t>
-            </a:r>
-            <a:r>
-              <a:rPr lang="ja-JP" altLang="en-US" sz="4000" dirty="0" err="1" smtClean="0">
-                <a:solidFill>
-                  <a:schemeClr val="tx1"/>
-                </a:solidFill>
-                <a:latin typeface="+mn-ea"/>
-              </a:rPr>
-              <a:t>さんは</a:t>
-            </a:r>
-            <a:r>
-              <a:rPr lang="ja-JP" altLang="en-US" sz="4000" dirty="0" smtClean="0">
-                <a:solidFill>
-                  <a:schemeClr val="tx1"/>
-                </a:solidFill>
-                <a:latin typeface="+mn-ea"/>
-              </a:rPr>
-              <a:t>人狼だった</a:t>
-            </a:r>
-            <a:r>
-              <a:rPr lang="ja-JP" altLang="en-US" sz="4000" dirty="0">
-                <a:solidFill>
-                  <a:schemeClr val="tx1"/>
-                </a:solidFill>
-                <a:latin typeface="+mn-ea"/>
-              </a:rPr>
-              <a:t>　</a:t>
-            </a:r>
-            <a:r>
-              <a:rPr lang="en-US" altLang="ja-JP" sz="4000" dirty="0" smtClean="0">
-                <a:solidFill>
-                  <a:schemeClr val="tx1"/>
-                </a:solidFill>
-                <a:latin typeface="+mn-ea"/>
-              </a:rPr>
-              <a:t>D</a:t>
-            </a:r>
-            <a:r>
-              <a:rPr lang="ja-JP" altLang="en-US" sz="4000" dirty="0" err="1" smtClean="0">
-                <a:solidFill>
-                  <a:schemeClr val="tx1"/>
-                </a:solidFill>
-                <a:latin typeface="+mn-ea"/>
-              </a:rPr>
-              <a:t>さんは</a:t>
-            </a:r>
-            <a:r>
-              <a:rPr lang="ja-JP" altLang="en-US" sz="4000" dirty="0" smtClean="0">
-                <a:solidFill>
-                  <a:schemeClr val="tx1"/>
-                </a:solidFill>
-                <a:latin typeface="+mn-ea"/>
-              </a:rPr>
-              <a:t>人間だった</a:t>
-            </a:r>
-            <a:endParaRPr lang="en-US" altLang="ja-JP" sz="4000" dirty="0" smtClean="0">
+            <a:endParaRPr lang="en-US" altLang="ja-JP" sz="3600" dirty="0" smtClean="0">
               <a:solidFill>
                 <a:schemeClr val="tx1"/>
               </a:solidFill>
@@ -4477,34 +4193,74 @@
           </a:p>
           <a:p>
             <a:r>
-              <a:rPr lang="ja-JP" altLang="en-US" sz="4000" dirty="0" smtClean="0">
+              <a:rPr lang="ja-JP" altLang="en-US" sz="3600" dirty="0">
                 <a:solidFill>
                   <a:schemeClr val="tx1"/>
                 </a:solidFill>
-                <a:latin typeface="+mn-ea"/>
-              </a:rPr>
-              <a:t>霊媒師</a:t>
-            </a:r>
-            <a:r>
-              <a:rPr lang="en-US" altLang="ja-JP" sz="4000" dirty="0" smtClean="0">
+                <a:latin typeface="+mj-ea"/>
+                <a:ea typeface="+mj-ea"/>
+              </a:rPr>
+              <a:t>パターン化</a:t>
+            </a:r>
+            <a:r>
+              <a:rPr lang="ja-JP" altLang="en-US" sz="3600" dirty="0" smtClean="0">
                 <a:solidFill>
                   <a:schemeClr val="tx1"/>
                 </a:solidFill>
-                <a:latin typeface="+mn-ea"/>
-              </a:rPr>
-              <a:t>F	C</a:t>
-            </a:r>
-            <a:r>
-              <a:rPr lang="ja-JP" altLang="en-US" sz="4000" dirty="0" err="1" smtClean="0">
+                <a:latin typeface="+mj-ea"/>
+                <a:ea typeface="+mj-ea"/>
+              </a:rPr>
+              <a:t>によ</a:t>
+            </a:r>
+            <a:r>
+              <a:rPr lang="ja-JP" altLang="en-US" sz="3600" dirty="0">
                 <a:solidFill>
                   <a:schemeClr val="tx1"/>
                 </a:solidFill>
+                <a:latin typeface="+mj-ea"/>
+                <a:ea typeface="+mj-ea"/>
+              </a:rPr>
+              <a:t>る</a:t>
+            </a:r>
+            <a:r>
+              <a:rPr lang="ja-JP" altLang="en-US" sz="3600" dirty="0" smtClean="0">
+                <a:solidFill>
+                  <a:schemeClr val="tx1"/>
+                </a:solidFill>
+                <a:latin typeface="+mj-ea"/>
+                <a:ea typeface="+mj-ea"/>
+              </a:rPr>
+              <a:t>人狼の矛盾発見方法</a:t>
+            </a:r>
+            <a:endParaRPr lang="en-US" altLang="ja-JP" sz="3600" dirty="0" smtClean="0">
+              <a:solidFill>
+                <a:schemeClr val="tx1"/>
+              </a:solidFill>
+              <a:latin typeface="+mj-ea"/>
+              <a:ea typeface="+mj-ea"/>
+            </a:endParaRPr>
+          </a:p>
+          <a:p>
+            <a:r>
+              <a:rPr lang="en-US" altLang="ja-JP" sz="3600" dirty="0" smtClean="0">
+                <a:solidFill>
+                  <a:schemeClr val="tx1"/>
+                </a:solidFill>
+                <a:latin typeface="+mn-ea"/>
+              </a:rPr>
+              <a:t>C</a:t>
+            </a:r>
+            <a:r>
+              <a:rPr lang="ja-JP" altLang="en-US" sz="3600" dirty="0" err="1" smtClean="0">
+                <a:solidFill>
+                  <a:schemeClr val="tx1"/>
+                </a:solidFill>
                 <a:latin typeface="+mn-ea"/>
               </a:rPr>
               <a:t>さん</a:t>
             </a:r>
             <a:r>
-              <a:rPr lang="en-US" altLang="ja-JP" sz="4000" dirty="0" smtClean="0">
+              <a:rPr lang="en-US" altLang="ja-JP" sz="3600" dirty="0" smtClean="0">
                 <a:solidFill>
                   <a:schemeClr val="tx1"/>
                 </a:solidFill>
@@ -4513,24 +4269,24 @@
               <a:t>D</a:t>
             </a:r>
             <a:r>
-              <a:rPr lang="ja-JP" altLang="en-US" sz="4000" dirty="0" err="1" smtClean="0">
+              <a:rPr lang="ja-JP" altLang="en-US" sz="3600" dirty="0" err="1" smtClean="0">
                 <a:solidFill>
                   <a:schemeClr val="tx1"/>
                 </a:solidFill>
                 <a:latin typeface="+mn-ea"/>
               </a:rPr>
-              <a:t>さん</a:t>
-            </a:r>
-            <a:r>
-              <a:rPr lang="ja-JP" altLang="en-US" sz="4000" dirty="0" smtClean="0">
+              <a:t>さんは</a:t>
+            </a:r>
+            <a:r>
+              <a:rPr lang="ja-JP" altLang="en-US" sz="3600" dirty="0" smtClean="0">
                 <a:solidFill>
                   <a:schemeClr val="tx1"/>
                 </a:solidFill>
                 <a:latin typeface="+mn-ea"/>
               </a:rPr>
-              <a:t>両方人間だった</a:t>
-            </a:r>
-            <a:endParaRPr lang="en-US" altLang="ja-JP" sz="4000" dirty="0" smtClean="0">
+              <a:t>処刑された。</a:t>
+            </a:r>
+            <a:endParaRPr lang="en-US" altLang="ja-JP" sz="3600" dirty="0">
               <a:solidFill>
                 <a:schemeClr val="tx1"/>
               </a:solidFill>
@@ -4539,15 +4295,78 @@
           </a:p>
           <a:p>
             <a:r>
-              <a:rPr lang="ja-JP" altLang="en-US" sz="4000" dirty="0" smtClean="0">
+              <a:rPr lang="ja-JP" altLang="en-US" sz="3600" dirty="0" smtClean="0">
                 <a:solidFill>
                   <a:schemeClr val="tx1"/>
                 </a:solidFill>
                 <a:latin typeface="+mn-ea"/>
               </a:rPr>
-              <a:t>と答えた。これらの発言には矛盾が生じているため確定人狼を見つけることができる。</a:t>
-            </a:r>
-            <a:endParaRPr lang="en-US" altLang="ja-JP" sz="4000" dirty="0" smtClean="0">
+              <a:t>占い師</a:t>
+            </a:r>
+            <a:r>
+              <a:rPr lang="en-US" altLang="ja-JP" sz="3600" dirty="0" smtClean="0">
+                <a:solidFill>
+                  <a:schemeClr val="tx1"/>
+                </a:solidFill>
+                <a:latin typeface="+mn-ea"/>
+              </a:rPr>
+              <a:t>A	</a:t>
+            </a:r>
+            <a:r>
+              <a:rPr lang="en-US" altLang="ja-JP" sz="3600" dirty="0">
+                <a:solidFill>
+                  <a:schemeClr val="tx1"/>
+                </a:solidFill>
+                <a:latin typeface="+mn-ea"/>
+              </a:rPr>
+              <a:t>C</a:t>
+            </a:r>
+            <a:r>
+              <a:rPr lang="ja-JP" altLang="en-US" sz="3600" dirty="0" err="1" smtClean="0">
+                <a:solidFill>
+                  <a:schemeClr val="tx1"/>
+                </a:solidFill>
+                <a:latin typeface="+mn-ea"/>
+              </a:rPr>
+              <a:t>さんは</a:t>
+            </a:r>
+            <a:r>
+              <a:rPr lang="ja-JP" altLang="en-US" sz="3600" dirty="0" smtClean="0">
+                <a:solidFill>
+                  <a:schemeClr val="tx1"/>
+                </a:solidFill>
+                <a:latin typeface="+mn-ea"/>
+              </a:rPr>
+              <a:t>人狼だった　</a:t>
+            </a:r>
+            <a:r>
+              <a:rPr lang="en-US" altLang="ja-JP" sz="3600" dirty="0" smtClean="0">
+                <a:solidFill>
+                  <a:schemeClr val="tx1"/>
+                </a:solidFill>
+                <a:latin typeface="+mn-ea"/>
+              </a:rPr>
+              <a:t>D</a:t>
+            </a:r>
+            <a:r>
+              <a:rPr lang="ja-JP" altLang="en-US" sz="3600" dirty="0" err="1" smtClean="0">
+                <a:solidFill>
+                  <a:schemeClr val="tx1"/>
+                </a:solidFill>
+                <a:latin typeface="+mn-ea"/>
+              </a:rPr>
+              <a:t>さんは</a:t>
+            </a:r>
+            <a:r>
+              <a:rPr lang="ja-JP" altLang="en-US" sz="3600" dirty="0" smtClean="0">
+                <a:solidFill>
+                  <a:schemeClr val="tx1"/>
+                </a:solidFill>
+                <a:latin typeface="+mn-ea"/>
+              </a:rPr>
+              <a:t>人間だった</a:t>
+            </a:r>
+            <a:endParaRPr lang="en-US" altLang="ja-JP" sz="3600" dirty="0" smtClean="0">
               <a:solidFill>
                 <a:schemeClr val="tx1"/>
               </a:solidFill>
@@ -4555,7 +4374,246 @@
             </a:endParaRPr>
           </a:p>
           <a:p>
+            <a:r>
+              <a:rPr lang="ja-JP" altLang="en-US" sz="3600" dirty="0" smtClean="0">
+                <a:solidFill>
+                  <a:schemeClr val="tx1"/>
+                </a:solidFill>
+                <a:latin typeface="+mn-ea"/>
+              </a:rPr>
+              <a:t>占い師</a:t>
+            </a:r>
+            <a:r>
+              <a:rPr lang="en-US" altLang="ja-JP" sz="3600" dirty="0" smtClean="0">
+                <a:solidFill>
+                  <a:schemeClr val="tx1"/>
+                </a:solidFill>
+                <a:latin typeface="+mn-ea"/>
+              </a:rPr>
+              <a:t>B	C</a:t>
+            </a:r>
+            <a:r>
+              <a:rPr lang="ja-JP" altLang="en-US" sz="3600" dirty="0" err="1" smtClean="0">
+                <a:solidFill>
+                  <a:schemeClr val="tx1"/>
+                </a:solidFill>
+                <a:latin typeface="+mn-ea"/>
+              </a:rPr>
+              <a:t>さんは</a:t>
+            </a:r>
+            <a:r>
+              <a:rPr lang="ja-JP" altLang="en-US" sz="3600" dirty="0" smtClean="0">
+                <a:solidFill>
+                  <a:schemeClr val="tx1"/>
+                </a:solidFill>
+                <a:latin typeface="+mn-ea"/>
+              </a:rPr>
+              <a:t>人間だった</a:t>
+            </a:r>
+            <a:r>
+              <a:rPr lang="ja-JP" altLang="en-US" sz="3600" dirty="0">
+                <a:solidFill>
+                  <a:schemeClr val="tx1"/>
+                </a:solidFill>
+                <a:latin typeface="+mn-ea"/>
+              </a:rPr>
+              <a:t>　</a:t>
+            </a:r>
+            <a:r>
+              <a:rPr lang="en-US" altLang="ja-JP" sz="3600" dirty="0" smtClean="0">
+                <a:solidFill>
+                  <a:schemeClr val="tx1"/>
+                </a:solidFill>
+                <a:latin typeface="+mn-ea"/>
+              </a:rPr>
+              <a:t>D</a:t>
+            </a:r>
+            <a:r>
+              <a:rPr lang="ja-JP" altLang="en-US" sz="3600" dirty="0" err="1" smtClean="0">
+                <a:solidFill>
+                  <a:schemeClr val="tx1"/>
+                </a:solidFill>
+                <a:latin typeface="+mn-ea"/>
+              </a:rPr>
+              <a:t>さんは</a:t>
+            </a:r>
+            <a:r>
+              <a:rPr lang="ja-JP" altLang="en-US" sz="3600" dirty="0" smtClean="0">
+                <a:solidFill>
+                  <a:schemeClr val="tx1"/>
+                </a:solidFill>
+                <a:latin typeface="+mn-ea"/>
+              </a:rPr>
+              <a:t>人狼だった</a:t>
+            </a:r>
             <a:endParaRPr lang="en-US" altLang="ja-JP" sz="3600" dirty="0" smtClean="0">
+              <a:solidFill>
+                <a:schemeClr val="tx1"/>
+              </a:solidFill>
+              <a:latin typeface="+mn-ea"/>
+            </a:endParaRPr>
+          </a:p>
+          <a:p>
+            <a:r>
+              <a:rPr lang="ja-JP" altLang="en-US" sz="3600" dirty="0" smtClean="0">
+                <a:solidFill>
+                  <a:schemeClr val="tx1"/>
+                </a:solidFill>
+                <a:latin typeface="+mn-ea"/>
+              </a:rPr>
+              <a:t>霊媒師</a:t>
+            </a:r>
+            <a:r>
+              <a:rPr lang="en-US" altLang="ja-JP" sz="3600" dirty="0" smtClean="0">
+                <a:solidFill>
+                  <a:schemeClr val="tx1"/>
+                </a:solidFill>
+                <a:latin typeface="+mn-ea"/>
+              </a:rPr>
+              <a:t>E	C</a:t>
+            </a:r>
+            <a:r>
+              <a:rPr lang="ja-JP" altLang="en-US" sz="3600" dirty="0" err="1" smtClean="0">
+                <a:solidFill>
+                  <a:schemeClr val="tx1"/>
+                </a:solidFill>
+                <a:latin typeface="+mn-ea"/>
+              </a:rPr>
+              <a:t>さんは</a:t>
+            </a:r>
+            <a:r>
+              <a:rPr lang="ja-JP" altLang="en-US" sz="3600" dirty="0" smtClean="0">
+                <a:solidFill>
+                  <a:schemeClr val="tx1"/>
+                </a:solidFill>
+                <a:latin typeface="+mn-ea"/>
+              </a:rPr>
+              <a:t>人狼だった</a:t>
+            </a:r>
+            <a:r>
+              <a:rPr lang="ja-JP" altLang="en-US" sz="3600" dirty="0">
+                <a:solidFill>
+                  <a:schemeClr val="tx1"/>
+                </a:solidFill>
+                <a:latin typeface="+mn-ea"/>
+              </a:rPr>
+              <a:t>　</a:t>
+            </a:r>
+            <a:r>
+              <a:rPr lang="en-US" altLang="ja-JP" sz="3600" dirty="0" smtClean="0">
+                <a:solidFill>
+                  <a:schemeClr val="tx1"/>
+                </a:solidFill>
+                <a:latin typeface="+mn-ea"/>
+              </a:rPr>
+              <a:t>D</a:t>
+            </a:r>
+            <a:r>
+              <a:rPr lang="ja-JP" altLang="en-US" sz="3600" dirty="0" err="1" smtClean="0">
+                <a:solidFill>
+                  <a:schemeClr val="tx1"/>
+                </a:solidFill>
+                <a:latin typeface="+mn-ea"/>
+              </a:rPr>
+              <a:t>さんは</a:t>
+            </a:r>
+            <a:r>
+              <a:rPr lang="ja-JP" altLang="en-US" sz="3600" dirty="0" smtClean="0">
+                <a:solidFill>
+                  <a:schemeClr val="tx1"/>
+                </a:solidFill>
+                <a:latin typeface="+mn-ea"/>
+              </a:rPr>
+              <a:t>人間だった</a:t>
+            </a:r>
+            <a:endParaRPr lang="en-US" altLang="ja-JP" sz="3600" dirty="0" smtClean="0">
+              <a:solidFill>
+                <a:schemeClr val="tx1"/>
+              </a:solidFill>
+              <a:latin typeface="+mn-ea"/>
+            </a:endParaRPr>
+          </a:p>
+          <a:p>
+            <a:r>
+              <a:rPr lang="ja-JP" altLang="en-US" sz="3600" dirty="0" smtClean="0">
+                <a:solidFill>
+                  <a:schemeClr val="tx1"/>
+                </a:solidFill>
+                <a:latin typeface="+mn-ea"/>
+              </a:rPr>
+              <a:t>霊媒師</a:t>
+            </a:r>
+            <a:r>
+              <a:rPr lang="en-US" altLang="ja-JP" sz="3600" dirty="0" smtClean="0">
+                <a:solidFill>
+                  <a:schemeClr val="tx1"/>
+                </a:solidFill>
+                <a:latin typeface="+mn-ea"/>
+              </a:rPr>
+              <a:t>F	C</a:t>
+            </a:r>
+            <a:r>
+              <a:rPr lang="ja-JP" altLang="en-US" sz="3600" dirty="0" err="1" smtClean="0">
+                <a:solidFill>
+                  <a:schemeClr val="tx1"/>
+                </a:solidFill>
+                <a:latin typeface="+mn-ea"/>
+              </a:rPr>
+              <a:t>さん</a:t>
+            </a:r>
+            <a:r>
+              <a:rPr lang="en-US" altLang="ja-JP" sz="3600" dirty="0" smtClean="0">
+                <a:solidFill>
+                  <a:schemeClr val="tx1"/>
+                </a:solidFill>
+                <a:latin typeface="+mn-ea"/>
+              </a:rPr>
+              <a:t>D</a:t>
+            </a:r>
+            <a:r>
+              <a:rPr lang="ja-JP" altLang="en-US" sz="3600" dirty="0" err="1" smtClean="0">
+                <a:solidFill>
+                  <a:schemeClr val="tx1"/>
+                </a:solidFill>
+                <a:latin typeface="+mn-ea"/>
+              </a:rPr>
+              <a:t>さん</a:t>
+            </a:r>
+            <a:r>
+              <a:rPr lang="ja-JP" altLang="en-US" sz="3600" dirty="0" smtClean="0">
+                <a:solidFill>
+                  <a:schemeClr val="tx1"/>
+                </a:solidFill>
+                <a:latin typeface="+mn-ea"/>
+              </a:rPr>
+              <a:t>両方人間だった</a:t>
+            </a:r>
+            <a:endParaRPr lang="en-US" altLang="ja-JP" sz="3600" dirty="0" smtClean="0">
+              <a:solidFill>
+                <a:schemeClr val="tx1"/>
+              </a:solidFill>
+              <a:latin typeface="+mn-ea"/>
+            </a:endParaRPr>
+          </a:p>
+          <a:p>
+            <a:r>
+              <a:rPr lang="ja-JP" altLang="en-US" sz="3600" dirty="0" smtClean="0">
+                <a:solidFill>
+                  <a:schemeClr val="tx1"/>
+                </a:solidFill>
+                <a:latin typeface="+mn-ea"/>
+              </a:rPr>
+              <a:t>と答えた。これらの発言には矛盾が生じているため確定人狼を見つけることができる。</a:t>
+            </a:r>
+            <a:endParaRPr lang="en-US" altLang="ja-JP" sz="3600" dirty="0" smtClean="0">
+              <a:solidFill>
+                <a:schemeClr val="tx1"/>
+              </a:solidFill>
+              <a:latin typeface="+mn-ea"/>
+            </a:endParaRPr>
+          </a:p>
+          <a:p>
+            <a:endParaRPr lang="en-US" altLang="ja-JP" sz="3200" dirty="0" smtClean="0">
               <a:solidFill>
                 <a:schemeClr val="tx1"/>
               </a:solidFill>
@@ -4826,7 +4884,16 @@
                 </a:solidFill>
                 <a:latin typeface="+mn-ea"/>
               </a:rPr>
-              <a:t>のアルゴリズムをソースコードリーディングを行い理解した。理解したことを生かして、さらに強いアルゴリズムを考察する。そして人狼エージェントをプログラミングする</a:t>
+              <a:t>のアルゴリズムをソースコードリーディングを行い理解した。理解したことを生かして、さらに強いアルゴリズムを考察する。そして人狼エージェントをプログラミング</a:t>
+            </a:r>
+            <a:r>
+              <a:rPr lang="ja-JP" altLang="en-US" sz="3600" dirty="0" smtClean="0">
+                <a:solidFill>
+                  <a:schemeClr val="tx1"/>
+                </a:solidFill>
+                <a:latin typeface="+mn-ea"/>
+              </a:rPr>
+              <a:t>する。</a:t>
             </a:r>
             <a:endParaRPr lang="en-US" altLang="ja-JP" sz="3600" dirty="0" smtClean="0">
               <a:solidFill>

--- a/課題研究/2015/浜野太豪/ポスター1342097浜野太豪.pptx
+++ b/課題研究/2015/浜野太豪/ポスター1342097浜野太豪.pptx
@@ -4064,17 +4064,7 @@
                 <a:latin typeface="+mj-ea"/>
                 <a:ea typeface="+mj-ea"/>
               </a:rPr>
-              <a:t>饂飩</a:t>
-            </a:r>
-            <a:r>
-              <a:rPr lang="ja-JP" altLang="en-US" sz="3600" dirty="0" smtClean="0">
-                <a:solidFill>
-                  <a:schemeClr val="tx1"/>
-                </a:solidFill>
-                <a:latin typeface="+mj-ea"/>
-                <a:ea typeface="+mj-ea"/>
-              </a:rPr>
-              <a:t>プログラムによる人狼の推論方法</a:t>
+              <a:t>饂飩プログラムによる人狼の推論方法</a:t>
             </a:r>
             <a:endParaRPr lang="en-US" altLang="ja-JP" sz="3600" dirty="0" smtClean="0">
               <a:solidFill>
@@ -4603,7 +4593,7 @@
                 </a:solidFill>
                 <a:latin typeface="+mn-ea"/>
               </a:rPr>
-              <a:t>と答えた。これらの発言には矛盾が生じているため確定人狼を見つけることができる。</a:t>
+              <a:t>と答えた。これらの発言の中には矛盾が生じている確定人狼がいる。</a:t>
             </a:r>
             <a:endParaRPr lang="en-US" altLang="ja-JP" sz="3600" dirty="0" smtClean="0">
               <a:solidFill>
@@ -4884,16 +4874,7 @@
                 </a:solidFill>
                 <a:latin typeface="+mn-ea"/>
               </a:rPr>
-              <a:t>のアルゴリズムをソースコードリーディングを行い理解した。理解したことを生かして、さらに強いアルゴリズムを考察する。そして人狼エージェントをプログラミング</a:t>
-            </a:r>
-            <a:r>
-              <a:rPr lang="ja-JP" altLang="en-US" sz="3600" dirty="0" smtClean="0">
-                <a:solidFill>
-                  <a:schemeClr val="tx1"/>
-                </a:solidFill>
-                <a:latin typeface="+mn-ea"/>
-              </a:rPr>
-              <a:t>する。</a:t>
+              <a:t>のアルゴリズムをソースコードリーディングを行い理解した。理解したことを生かして、さらに強いアルゴリズムを考察する。そして人狼エージェントをプログラミングする。</a:t>
             </a:r>
             <a:endParaRPr lang="en-US" altLang="ja-JP" sz="3600" dirty="0" smtClean="0">
               <a:solidFill>

--- a/課題研究/2015/浜野太豪/ポスター1342097浜野太豪.pptx
+++ b/課題研究/2015/浜野太豪/ポスター1342097浜野太豪.pptx
@@ -4593,7 +4593,34 @@
                 </a:solidFill>
                 <a:latin typeface="+mn-ea"/>
               </a:rPr>
-              <a:t>と答えた。これらの発言の中には矛盾が生じている確定人狼がいる。</a:t>
+              <a:t>と答えた。これらの発言の中には矛盾が</a:t>
+            </a:r>
+            <a:r>
+              <a:rPr lang="ja-JP" altLang="en-US" sz="3600" smtClean="0">
+                <a:solidFill>
+                  <a:schemeClr val="tx1"/>
+                </a:solidFill>
+                <a:latin typeface="+mn-ea"/>
+              </a:rPr>
+              <a:t>生じて</a:t>
+            </a:r>
+            <a:r>
+              <a:rPr lang="ja-JP" altLang="en-US" sz="3600" smtClean="0">
+                <a:solidFill>
+                  <a:schemeClr val="tx1"/>
+                </a:solidFill>
+                <a:latin typeface="+mn-ea"/>
+              </a:rPr>
+              <a:t>いる人</a:t>
+            </a:r>
+            <a:r>
+              <a:rPr lang="ja-JP" altLang="en-US" sz="3600" dirty="0" smtClean="0">
+                <a:solidFill>
+                  <a:schemeClr val="tx1"/>
+                </a:solidFill>
+                <a:latin typeface="+mn-ea"/>
+              </a:rPr>
+              <a:t>狼がいる。</a:t>
             </a:r>
             <a:endParaRPr lang="en-US" altLang="ja-JP" sz="3600" dirty="0" smtClean="0">
               <a:solidFill>
